--- a/welding.pptx
+++ b/welding.pptx
@@ -8,7 +8,8 @@
     <p:sldId id="260" r:id="rId2"/>
     <p:sldId id="262" r:id="rId3"/>
     <p:sldId id="261" r:id="rId4"/>
-    <p:sldId id="263" r:id="rId5"/>
+    <p:sldId id="264" r:id="rId5"/>
+    <p:sldId id="263" r:id="rId6"/>
   </p:sldIdLst>
   <p:sldSz cx="12192000" cy="6858000"/>
   <p:notesSz cx="6858000" cy="9144000"/>
@@ -4560,7 +4561,7 @@
         </p:nvSpPr>
         <p:spPr>
           <a:xfrm>
-            <a:off x="155787" y="3202920"/>
+            <a:off x="168487" y="3044838"/>
             <a:ext cx="5381413" cy="1200329"/>
           </a:xfrm>
           <a:prstGeom prst="rect">
@@ -4587,6 +4588,506 @@
             <a:r>
               <a:rPr lang="en-US" sz="1200" dirty="0"/>
               <a:t>The name "inverter" was coined by engineer David Prince in a 1925 article in the GE Review, where he described a device that reverses (or "inverts") the function of a rectifier - turning direct current (DC) into alternating current (AC), as opposed to a rectifier which does the opposite. Prince explained that he took a rectifier circuit and "inverted" it so that DC was input and AC was output, hence the name "inverter".</a:t>
+            </a:r>
+          </a:p>
+        </p:txBody>
+      </p:sp>
+    </p:spTree>
+    <p:extLst>
+      <p:ext uri="{BB962C8B-B14F-4D97-AF65-F5344CB8AC3E}">
+        <p14:creationId xmlns:p14="http://schemas.microsoft.com/office/powerpoint/2010/main" val="222730227"/>
+      </p:ext>
+    </p:extLst>
+  </p:cSld>
+  <p:clrMapOvr>
+    <a:masterClrMapping/>
+  </p:clrMapOvr>
+</p:sld>
+</file>
+
+<file path=ppt/slides/slide5.xml><?xml version="1.0" encoding="utf-8"?>
+<p:sld xmlns:a="http://schemas.openxmlformats.org/drawingml/2006/main" xmlns:r="http://schemas.openxmlformats.org/officeDocument/2006/relationships" xmlns:p="http://schemas.openxmlformats.org/presentationml/2006/main">
+  <p:cSld>
+    <p:spTree>
+      <p:nvGrpSpPr>
+        <p:cNvPr id="1" name="">
+          <a:extLst>
+            <a:ext uri="{FF2B5EF4-FFF2-40B4-BE49-F238E27FC236}">
+              <a16:creationId xmlns:a16="http://schemas.microsoft.com/office/drawing/2014/main" id="{F722C3ED-543B-E83A-6C88-280CA14AE502}"/>
+            </a:ext>
+          </a:extLst>
+        </p:cNvPr>
+        <p:cNvGrpSpPr/>
+        <p:nvPr/>
+      </p:nvGrpSpPr>
+      <p:grpSpPr>
+        <a:xfrm>
+          <a:off x="0" y="0"/>
+          <a:ext cx="0" cy="0"/>
+          <a:chOff x="0" y="0"/>
+          <a:chExt cx="0" cy="0"/>
+        </a:xfrm>
+      </p:grpSpPr>
+      <p:sp>
+        <p:nvSpPr>
+          <p:cNvPr id="2" name="TextBox 1">
+            <a:extLst>
+              <a:ext uri="{FF2B5EF4-FFF2-40B4-BE49-F238E27FC236}">
+                <a16:creationId xmlns:a16="http://schemas.microsoft.com/office/drawing/2014/main" id="{6ED470F6-F81D-34A1-59C1-EB2571429265}"/>
+              </a:ext>
+            </a:extLst>
+          </p:cNvPr>
+          <p:cNvSpPr txBox="1"/>
+          <p:nvPr/>
+        </p:nvSpPr>
+        <p:spPr>
+          <a:xfrm>
+            <a:off x="-1" y="0"/>
+            <a:ext cx="2755901" cy="523220"/>
+          </a:xfrm>
+          <a:prstGeom prst="rect">
+            <a:avLst/>
+          </a:prstGeom>
+          <a:noFill/>
+        </p:spPr>
+        <p:txBody>
+          <a:bodyPr wrap="square" rtlCol="0">
+            <a:spAutoFit/>
+          </a:bodyPr>
+          <a:lstStyle/>
+          <a:p>
+            <a:r>
+              <a:rPr lang="en-US" sz="2800" b="1" dirty="0"/>
+              <a:t>Protection</a:t>
+            </a:r>
+          </a:p>
+        </p:txBody>
+      </p:sp>
+      <p:sp>
+        <p:nvSpPr>
+          <p:cNvPr id="14" name="TextBox 13">
+            <a:extLst>
+              <a:ext uri="{FF2B5EF4-FFF2-40B4-BE49-F238E27FC236}">
+                <a16:creationId xmlns:a16="http://schemas.microsoft.com/office/drawing/2014/main" id="{D5E42D67-95BD-6346-6C1C-7DE3C2A901EE}"/>
+              </a:ext>
+            </a:extLst>
+          </p:cNvPr>
+          <p:cNvSpPr txBox="1"/>
+          <p:nvPr/>
+        </p:nvSpPr>
+        <p:spPr>
+          <a:xfrm>
+            <a:off x="168487" y="739120"/>
+            <a:ext cx="4756741" cy="830997"/>
+          </a:xfrm>
+          <a:prstGeom prst="rect">
+            <a:avLst/>
+          </a:prstGeom>
+          <a:solidFill>
+            <a:schemeClr val="accent4">
+              <a:lumMod val="20000"/>
+              <a:lumOff val="80000"/>
+            </a:schemeClr>
+          </a:solidFill>
+          <a:ln>
+            <a:solidFill>
+              <a:srgbClr val="FF0000"/>
+            </a:solidFill>
+          </a:ln>
+        </p:spPr>
+        <p:txBody>
+          <a:bodyPr wrap="square" rtlCol="0">
+            <a:spAutoFit/>
+          </a:bodyPr>
+          <a:lstStyle/>
+          <a:p>
+            <a:r>
+              <a:rPr lang="en-US" sz="1200" dirty="0"/>
+              <a:t>Flame-Resistant Welding Jackets</a:t>
+            </a:r>
+          </a:p>
+          <a:p>
+            <a:pPr marL="285750" indent="-285750">
+              <a:buFont typeface="Arial" panose="020B0604020202020204" pitchFamily="34" charset="0"/>
+              <a:buChar char="•"/>
+            </a:pPr>
+            <a:r>
+              <a:rPr lang="en-US" sz="1200" dirty="0"/>
+              <a:t>Flame Resistant Cotton Welding Jacket $56 - $78</a:t>
+            </a:r>
+          </a:p>
+          <a:p>
+            <a:pPr marL="285750" indent="-285750">
+              <a:buFont typeface="Arial" panose="020B0604020202020204" pitchFamily="34" charset="0"/>
+              <a:buChar char="•"/>
+            </a:pPr>
+            <a:r>
+              <a:rPr lang="en-US" sz="1200" dirty="0"/>
+              <a:t>Strongarm Unisex Arc-Rated Fire-Resistant Satin Welding Jacket $38</a:t>
+            </a:r>
+          </a:p>
+          <a:p>
+            <a:pPr marL="285750" indent="-285750">
+              <a:buFont typeface="Arial" panose="020B0604020202020204" pitchFamily="34" charset="0"/>
+              <a:buChar char="•"/>
+            </a:pPr>
+            <a:r>
+              <a:rPr lang="en-US" sz="1200" dirty="0"/>
+              <a:t>ARCCAPTAIN Heat Flame Resistant Leather Welding Jacket $76 - $86</a:t>
+            </a:r>
+          </a:p>
+        </p:txBody>
+      </p:sp>
+      <p:sp>
+        <p:nvSpPr>
+          <p:cNvPr id="4" name="TextBox 3">
+            <a:extLst>
+              <a:ext uri="{FF2B5EF4-FFF2-40B4-BE49-F238E27FC236}">
+                <a16:creationId xmlns:a16="http://schemas.microsoft.com/office/drawing/2014/main" id="{F1C678EB-BE01-CADF-7429-7C4AA056A35A}"/>
+              </a:ext>
+            </a:extLst>
+          </p:cNvPr>
+          <p:cNvSpPr txBox="1"/>
+          <p:nvPr/>
+        </p:nvSpPr>
+        <p:spPr>
+          <a:xfrm>
+            <a:off x="168487" y="1918023"/>
+            <a:ext cx="2709624" cy="276999"/>
+          </a:xfrm>
+          <a:prstGeom prst="rect">
+            <a:avLst/>
+          </a:prstGeom>
+          <a:solidFill>
+            <a:schemeClr val="accent4">
+              <a:lumMod val="20000"/>
+              <a:lumOff val="80000"/>
+            </a:schemeClr>
+          </a:solidFill>
+          <a:ln>
+            <a:solidFill>
+              <a:srgbClr val="FF0000"/>
+            </a:solidFill>
+          </a:ln>
+        </p:spPr>
+        <p:txBody>
+          <a:bodyPr wrap="square" rtlCol="0">
+            <a:spAutoFit/>
+          </a:bodyPr>
+          <a:lstStyle/>
+          <a:p>
+            <a:r>
+              <a:rPr lang="en-US" sz="1200" dirty="0"/>
+              <a:t>Heat-Resistant Welding Gloves $23- $67</a:t>
+            </a:r>
+          </a:p>
+        </p:txBody>
+      </p:sp>
+      <p:pic>
+        <p:nvPicPr>
+          <p:cNvPr id="3" name="Picture 2">
+            <a:extLst>
+              <a:ext uri="{FF2B5EF4-FFF2-40B4-BE49-F238E27FC236}">
+                <a16:creationId xmlns:a16="http://schemas.microsoft.com/office/drawing/2014/main" id="{47743A17-64C3-9BEA-F5E6-4653D9885D93}"/>
+              </a:ext>
+            </a:extLst>
+          </p:cNvPr>
+          <p:cNvPicPr>
+            <a:picLocks noChangeAspect="1" noChangeArrowheads="1"/>
+          </p:cNvPicPr>
+          <p:nvPr/>
+        </p:nvPicPr>
+        <p:blipFill>
+          <a:blip r:embed="rId2" cstate="email">
+            <a:extLst>
+              <a:ext uri="{28A0092B-C50C-407E-A947-70E740481C1C}">
+                <a14:useLocalDpi xmlns:a14="http://schemas.microsoft.com/office/drawing/2010/main"/>
+              </a:ext>
+            </a:extLst>
+          </a:blip>
+          <a:srcRect/>
+          <a:stretch>
+            <a:fillRect/>
+          </a:stretch>
+        </p:blipFill>
+        <p:spPr bwMode="auto">
+          <a:xfrm>
+            <a:off x="5245894" y="261610"/>
+            <a:ext cx="1413319" cy="1656413"/>
+          </a:xfrm>
+          <a:prstGeom prst="rect">
+            <a:avLst/>
+          </a:prstGeom>
+          <a:noFill/>
+          <a:extLst>
+            <a:ext uri="{909E8E84-426E-40DD-AFC4-6F175D3DCCD1}">
+              <a14:hiddenFill xmlns:a14="http://schemas.microsoft.com/office/drawing/2010/main">
+                <a:solidFill>
+                  <a:srgbClr val="FFFFFF"/>
+                </a:solidFill>
+              </a14:hiddenFill>
+            </a:ext>
+          </a:extLst>
+        </p:spPr>
+      </p:pic>
+      <p:pic>
+        <p:nvPicPr>
+          <p:cNvPr id="1028" name="Picture 4">
+            <a:extLst>
+              <a:ext uri="{FF2B5EF4-FFF2-40B4-BE49-F238E27FC236}">
+                <a16:creationId xmlns:a16="http://schemas.microsoft.com/office/drawing/2014/main" id="{4D587030-96B9-8B0E-31D1-3AD939EAD5AD}"/>
+              </a:ext>
+            </a:extLst>
+          </p:cNvPr>
+          <p:cNvPicPr>
+            <a:picLocks noChangeAspect="1" noChangeArrowheads="1"/>
+          </p:cNvPicPr>
+          <p:nvPr/>
+        </p:nvPicPr>
+        <p:blipFill>
+          <a:blip r:embed="rId3" cstate="email">
+            <a:extLst>
+              <a:ext uri="{28A0092B-C50C-407E-A947-70E740481C1C}">
+                <a14:useLocalDpi xmlns:a14="http://schemas.microsoft.com/office/drawing/2010/main"/>
+              </a:ext>
+            </a:extLst>
+          </a:blip>
+          <a:srcRect/>
+          <a:stretch>
+            <a:fillRect/>
+          </a:stretch>
+        </p:blipFill>
+        <p:spPr bwMode="auto">
+          <a:xfrm>
+            <a:off x="3198777" y="1600100"/>
+            <a:ext cx="679533" cy="1189844"/>
+          </a:xfrm>
+          <a:prstGeom prst="rect">
+            <a:avLst/>
+          </a:prstGeom>
+          <a:noFill/>
+          <a:extLst>
+            <a:ext uri="{909E8E84-426E-40DD-AFC4-6F175D3DCCD1}">
+              <a14:hiddenFill xmlns:a14="http://schemas.microsoft.com/office/drawing/2010/main">
+                <a:solidFill>
+                  <a:srgbClr val="FFFFFF"/>
+                </a:solidFill>
+              </a14:hiddenFill>
+            </a:ext>
+          </a:extLst>
+        </p:spPr>
+      </p:pic>
+      <p:pic>
+        <p:nvPicPr>
+          <p:cNvPr id="1030" name="Picture 6">
+            <a:extLst>
+              <a:ext uri="{FF2B5EF4-FFF2-40B4-BE49-F238E27FC236}">
+                <a16:creationId xmlns:a16="http://schemas.microsoft.com/office/drawing/2014/main" id="{62E2C9F8-4E5D-028C-7A88-14D00BF1AB69}"/>
+              </a:ext>
+            </a:extLst>
+          </p:cNvPr>
+          <p:cNvPicPr>
+            <a:picLocks noChangeAspect="1" noChangeArrowheads="1"/>
+          </p:cNvPicPr>
+          <p:nvPr/>
+        </p:nvPicPr>
+        <p:blipFill>
+          <a:blip r:embed="rId4" cstate="email">
+            <a:extLst>
+              <a:ext uri="{28A0092B-C50C-407E-A947-70E740481C1C}">
+                <a14:useLocalDpi xmlns:a14="http://schemas.microsoft.com/office/drawing/2010/main"/>
+              </a:ext>
+            </a:extLst>
+          </a:blip>
+          <a:srcRect/>
+          <a:stretch>
+            <a:fillRect/>
+          </a:stretch>
+        </p:blipFill>
+        <p:spPr bwMode="auto">
+          <a:xfrm>
+            <a:off x="168487" y="2519284"/>
+            <a:ext cx="1249343" cy="1819431"/>
+          </a:xfrm>
+          <a:prstGeom prst="rect">
+            <a:avLst/>
+          </a:prstGeom>
+          <a:noFill/>
+          <a:extLst>
+            <a:ext uri="{909E8E84-426E-40DD-AFC4-6F175D3DCCD1}">
+              <a14:hiddenFill xmlns:a14="http://schemas.microsoft.com/office/drawing/2010/main">
+                <a:solidFill>
+                  <a:srgbClr val="FFFFFF"/>
+                </a:solidFill>
+              </a14:hiddenFill>
+            </a:ext>
+          </a:extLst>
+        </p:spPr>
+      </p:pic>
+      <p:sp>
+        <p:nvSpPr>
+          <p:cNvPr id="5" name="TextBox 4">
+            <a:extLst>
+              <a:ext uri="{FF2B5EF4-FFF2-40B4-BE49-F238E27FC236}">
+                <a16:creationId xmlns:a16="http://schemas.microsoft.com/office/drawing/2014/main" id="{24A5D377-E54D-9E37-7E26-849FB5C24B5D}"/>
+              </a:ext>
+            </a:extLst>
+          </p:cNvPr>
+          <p:cNvSpPr txBox="1"/>
+          <p:nvPr/>
+        </p:nvSpPr>
+        <p:spPr>
+          <a:xfrm>
+            <a:off x="1843965" y="3198166"/>
+            <a:ext cx="2709624" cy="461665"/>
+          </a:xfrm>
+          <a:prstGeom prst="rect">
+            <a:avLst/>
+          </a:prstGeom>
+          <a:solidFill>
+            <a:schemeClr val="accent4">
+              <a:lumMod val="20000"/>
+              <a:lumOff val="80000"/>
+            </a:schemeClr>
+          </a:solidFill>
+          <a:ln>
+            <a:solidFill>
+              <a:srgbClr val="FF0000"/>
+            </a:solidFill>
+          </a:ln>
+        </p:spPr>
+        <p:txBody>
+          <a:bodyPr wrap="square" rtlCol="0">
+            <a:spAutoFit/>
+          </a:bodyPr>
+          <a:lstStyle/>
+          <a:p>
+            <a:r>
+              <a:rPr lang="en-US" sz="1200" dirty="0"/>
+              <a:t>Vulcan Premium </a:t>
+            </a:r>
+            <a:r>
+              <a:rPr lang="en-US" sz="1200" dirty="0" err="1"/>
+              <a:t>Arcsafe</a:t>
+            </a:r>
+            <a:r>
+              <a:rPr lang="en-US" sz="1200" dirty="0"/>
+              <a:t> Auto-Darkening Welding Helmet $170</a:t>
+            </a:r>
+          </a:p>
+        </p:txBody>
+      </p:sp>
+      <p:sp>
+        <p:nvSpPr>
+          <p:cNvPr id="6" name="TextBox 5">
+            <a:extLst>
+              <a:ext uri="{FF2B5EF4-FFF2-40B4-BE49-F238E27FC236}">
+                <a16:creationId xmlns:a16="http://schemas.microsoft.com/office/drawing/2014/main" id="{83E10EAE-56F9-78FE-7441-126F72951C88}"/>
+              </a:ext>
+            </a:extLst>
+          </p:cNvPr>
+          <p:cNvSpPr txBox="1"/>
+          <p:nvPr/>
+        </p:nvSpPr>
+        <p:spPr>
+          <a:xfrm>
+            <a:off x="6458044" y="4103400"/>
+            <a:ext cx="5471197" cy="2492990"/>
+          </a:xfrm>
+          <a:prstGeom prst="rect">
+            <a:avLst/>
+          </a:prstGeom>
+          <a:solidFill>
+            <a:schemeClr val="accent4">
+              <a:lumMod val="20000"/>
+              <a:lumOff val="80000"/>
+            </a:schemeClr>
+          </a:solidFill>
+          <a:ln>
+            <a:solidFill>
+              <a:srgbClr val="FF0000"/>
+            </a:solidFill>
+          </a:ln>
+        </p:spPr>
+        <p:txBody>
+          <a:bodyPr wrap="square" rtlCol="0">
+            <a:spAutoFit/>
+          </a:bodyPr>
+          <a:lstStyle/>
+          <a:p>
+            <a:r>
+              <a:rPr lang="en-US" sz="1200" dirty="0"/>
+              <a:t>Welding Protective Essentials</a:t>
+            </a:r>
+          </a:p>
+          <a:p>
+            <a:endParaRPr lang="en-US" sz="1200" dirty="0"/>
+          </a:p>
+          <a:p>
+            <a:r>
+              <a:rPr lang="en-US" sz="1200" dirty="0"/>
+              <a:t>- Helmet: Auto-darkening or fixed shade, covers face and neck</a:t>
+            </a:r>
+          </a:p>
+          <a:p>
+            <a:r>
+              <a:rPr lang="en-US" sz="1200" dirty="0"/>
+              <a:t>- Jacket: Flame-resistant material (cotton or leather)</a:t>
+            </a:r>
+          </a:p>
+          <a:p>
+            <a:r>
+              <a:rPr lang="en-US" sz="1200" dirty="0"/>
+              <a:t>- Gloves: Heat-resistant, usually leather, with coverage for cuffs/forearms</a:t>
+            </a:r>
+          </a:p>
+          <a:p>
+            <a:r>
+              <a:rPr lang="en-US" sz="1200" dirty="0"/>
+              <a:t>- Pants: Flame-resistant, heavy cotton or leather, never shorts or synthetics</a:t>
+            </a:r>
+          </a:p>
+          <a:p>
+            <a:r>
+              <a:rPr lang="en-US" sz="1200" dirty="0"/>
+              <a:t>- Footwear: Steel-toe boots, heat/spark/slip/electrical hazard resistant</a:t>
+            </a:r>
+          </a:p>
+          <a:p>
+            <a:r>
+              <a:rPr lang="en-US" sz="1200" dirty="0"/>
+              <a:t>- Eye Protection: Safety glasses or goggles with side shields (under helmet)</a:t>
+            </a:r>
+          </a:p>
+          <a:p>
+            <a:r>
+              <a:rPr lang="en-US" sz="1200" dirty="0"/>
+              <a:t>- Respiratory Protection: Recommended if working in confined spaces, with fumes, </a:t>
+            </a:r>
+            <a:br>
+              <a:rPr lang="en-US" sz="1200" dirty="0"/>
+            </a:br>
+            <a:r>
+              <a:rPr lang="en-US" sz="1200" dirty="0"/>
+              <a:t>   or on hazardous materials</a:t>
+            </a:r>
+          </a:p>
+          <a:p>
+            <a:r>
+              <a:rPr lang="en-US" sz="1200" dirty="0"/>
+              <a:t>- Ear Protection: Ear plugs or muffs for noisy environments or grinding</a:t>
+            </a:r>
+          </a:p>
+          <a:p>
+            <a:r>
+              <a:rPr lang="en-US" sz="1200" dirty="0"/>
+              <a:t>- Apron/Sleeves: Optional for additional coverage on heavy jobs</a:t>
+            </a:r>
+          </a:p>
+          <a:p>
+            <a:r>
+              <a:rPr lang="en-US" sz="1200" dirty="0"/>
+              <a:t>- Cap or Hood: To protect scalp from stray sparks</a:t>
             </a:r>
           </a:p>
         </p:txBody>

--- a/welding.pptx
+++ b/welding.pptx
@@ -3935,7 +3935,7 @@
         </p:nvSpPr>
         <p:spPr>
           <a:xfrm>
-            <a:off x="140143" y="3896380"/>
+            <a:off x="140143" y="4663634"/>
             <a:ext cx="5556250" cy="830997"/>
           </a:xfrm>
           <a:prstGeom prst="rect">
@@ -3964,8 +3964,16 @@
               <a:buChar char="•"/>
             </a:pPr>
             <a:r>
+              <a:rPr lang="en-US" sz="1200" b="1" dirty="0">
+                <a:solidFill>
+                  <a:srgbClr val="FF0000"/>
+                </a:solidFill>
+              </a:rPr>
+              <a:t>YESWELDER MIG-205DS PRO </a:t>
+            </a:r>
+            <a:r>
               <a:rPr lang="en-US" sz="1200" dirty="0"/>
-              <a:t>YESWELDER MIG-205DS PRO MIG Welder, 200Amp 110/220V Dual Voltage MIG Welding Machine, 5 in 1 Gas MIG/Flux Core MIG/Spool Gun MIG/Lift TIG/Stick </a:t>
+              <a:t>MIG Welder, 200Amp 110/220V Dual Voltage MIG Welding Machine, 5 in 1 Gas MIG/Flux Core MIG/Spool Gun MIG/Lift TIG/Stick </a:t>
             </a:r>
             <a:r>
               <a:rPr lang="en-US" sz="1200" dirty="0" err="1"/>
@@ -4096,7 +4104,7 @@
         </p:blipFill>
         <p:spPr bwMode="auto">
           <a:xfrm>
-            <a:off x="5944472" y="2831068"/>
+            <a:off x="5944472" y="3598322"/>
             <a:ext cx="3470991" cy="2961620"/>
           </a:xfrm>
           <a:prstGeom prst="rect">
@@ -4114,6 +4122,63 @@
           </a:extLst>
         </p:spPr>
       </p:pic>
+      <p:sp>
+        <p:nvSpPr>
+          <p:cNvPr id="4" name="TextBox 3">
+            <a:extLst>
+              <a:ext uri="{FF2B5EF4-FFF2-40B4-BE49-F238E27FC236}">
+                <a16:creationId xmlns:a16="http://schemas.microsoft.com/office/drawing/2014/main" id="{8A869A07-2CB5-DC34-ADB5-DC5C73C9B39E}"/>
+              </a:ext>
+            </a:extLst>
+          </p:cNvPr>
+          <p:cNvSpPr txBox="1"/>
+          <p:nvPr/>
+        </p:nvSpPr>
+        <p:spPr>
+          <a:xfrm>
+            <a:off x="140143" y="3536871"/>
+            <a:ext cx="5556250" cy="461665"/>
+          </a:xfrm>
+          <a:prstGeom prst="rect">
+            <a:avLst/>
+          </a:prstGeom>
+          <a:solidFill>
+            <a:schemeClr val="accent4">
+              <a:lumMod val="20000"/>
+              <a:lumOff val="80000"/>
+            </a:schemeClr>
+          </a:solidFill>
+          <a:ln>
+            <a:solidFill>
+              <a:srgbClr val="FF0000"/>
+            </a:solidFill>
+          </a:ln>
+        </p:spPr>
+        <p:txBody>
+          <a:bodyPr wrap="square">
+            <a:spAutoFit/>
+          </a:bodyPr>
+          <a:lstStyle/>
+          <a:p>
+            <a:pPr marL="285750" indent="-285750">
+              <a:buFont typeface="Arial" panose="020B0604020202020204" pitchFamily="34" charset="0"/>
+              <a:buChar char="•"/>
+            </a:pPr>
+            <a:r>
+              <a:rPr lang="en-US" sz="1200" b="1" dirty="0">
+                <a:solidFill>
+                  <a:srgbClr val="FF0000"/>
+                </a:solidFill>
+              </a:rPr>
+              <a:t>Duty Cycle </a:t>
+            </a:r>
+            <a:r>
+              <a:rPr lang="en-US" sz="1200" dirty="0"/>
+              <a:t>60% - means the welder can work 60% of 10 min (6 min), and then it needs to "rest"</a:t>
+            </a:r>
+          </a:p>
+        </p:txBody>
+      </p:sp>
     </p:spTree>
     <p:extLst>
       <p:ext uri="{BB962C8B-B14F-4D97-AF65-F5344CB8AC3E}">

--- a/welding.pptx
+++ b/welding.pptx
@@ -262,7 +262,7 @@
           <a:lstStyle/>
           <a:p>
             <a:fld id="{16286276-9013-2A43-82D1-BA4685C95117}" type="datetimeFigureOut">
-              <a:t>10/4/25</a:t>
+              <a:t>10/5/25</a:t>
             </a:fld>
             <a:endParaRPr lang="en-US"/>
           </a:p>
@@ -458,7 +458,7 @@
           <a:lstStyle/>
           <a:p>
             <a:fld id="{16286276-9013-2A43-82D1-BA4685C95117}" type="datetimeFigureOut">
-              <a:t>10/4/25</a:t>
+              <a:t>10/5/25</a:t>
             </a:fld>
             <a:endParaRPr lang="en-US"/>
           </a:p>
@@ -664,7 +664,7 @@
           <a:lstStyle/>
           <a:p>
             <a:fld id="{16286276-9013-2A43-82D1-BA4685C95117}" type="datetimeFigureOut">
-              <a:t>10/4/25</a:t>
+              <a:t>10/5/25</a:t>
             </a:fld>
             <a:endParaRPr lang="en-US"/>
           </a:p>
@@ -860,7 +860,7 @@
           <a:lstStyle/>
           <a:p>
             <a:fld id="{16286276-9013-2A43-82D1-BA4685C95117}" type="datetimeFigureOut">
-              <a:t>10/4/25</a:t>
+              <a:t>10/5/25</a:t>
             </a:fld>
             <a:endParaRPr lang="en-US"/>
           </a:p>
@@ -1133,7 +1133,7 @@
           <a:lstStyle/>
           <a:p>
             <a:fld id="{16286276-9013-2A43-82D1-BA4685C95117}" type="datetimeFigureOut">
-              <a:t>10/4/25</a:t>
+              <a:t>10/5/25</a:t>
             </a:fld>
             <a:endParaRPr lang="en-US"/>
           </a:p>
@@ -1396,7 +1396,7 @@
           <a:lstStyle/>
           <a:p>
             <a:fld id="{16286276-9013-2A43-82D1-BA4685C95117}" type="datetimeFigureOut">
-              <a:t>10/4/25</a:t>
+              <a:t>10/5/25</a:t>
             </a:fld>
             <a:endParaRPr lang="en-US"/>
           </a:p>
@@ -1806,7 +1806,7 @@
           <a:lstStyle/>
           <a:p>
             <a:fld id="{16286276-9013-2A43-82D1-BA4685C95117}" type="datetimeFigureOut">
-              <a:t>10/4/25</a:t>
+              <a:t>10/5/25</a:t>
             </a:fld>
             <a:endParaRPr lang="en-US"/>
           </a:p>
@@ -1945,7 +1945,7 @@
           <a:lstStyle/>
           <a:p>
             <a:fld id="{16286276-9013-2A43-82D1-BA4685C95117}" type="datetimeFigureOut">
-              <a:t>10/4/25</a:t>
+              <a:t>10/5/25</a:t>
             </a:fld>
             <a:endParaRPr lang="en-US"/>
           </a:p>
@@ -2056,7 +2056,7 @@
           <a:lstStyle/>
           <a:p>
             <a:fld id="{16286276-9013-2A43-82D1-BA4685C95117}" type="datetimeFigureOut">
-              <a:t>10/4/25</a:t>
+              <a:t>10/5/25</a:t>
             </a:fld>
             <a:endParaRPr lang="en-US"/>
           </a:p>
@@ -2365,7 +2365,7 @@
           <a:lstStyle/>
           <a:p>
             <a:fld id="{16286276-9013-2A43-82D1-BA4685C95117}" type="datetimeFigureOut">
-              <a:t>10/4/25</a:t>
+              <a:t>10/5/25</a:t>
             </a:fld>
             <a:endParaRPr lang="en-US"/>
           </a:p>
@@ -2651,7 +2651,7 @@
           <a:lstStyle/>
           <a:p>
             <a:fld id="{16286276-9013-2A43-82D1-BA4685C95117}" type="datetimeFigureOut">
-              <a:t>10/4/25</a:t>
+              <a:t>10/5/25</a:t>
             </a:fld>
             <a:endParaRPr lang="en-US"/>
           </a:p>
@@ -2890,7 +2890,7 @@
           </a:lstStyle>
           <a:p>
             <a:fld id="{16286276-9013-2A43-82D1-BA4685C95117}" type="datetimeFigureOut">
-              <a:t>10/4/25</a:t>
+              <a:t>10/5/25</a:t>
             </a:fld>
             <a:endParaRPr lang="en-US"/>
           </a:p>
@@ -3355,8 +3355,8 @@
         </p:nvSpPr>
         <p:spPr>
           <a:xfrm>
-            <a:off x="133350" y="535920"/>
-            <a:ext cx="5556250" cy="1754326"/>
+            <a:off x="146051" y="614660"/>
+            <a:ext cx="5556250" cy="3231654"/>
           </a:xfrm>
           <a:prstGeom prst="rect">
             <a:avLst/>
@@ -3379,6 +3379,16 @@
           </a:bodyPr>
           <a:lstStyle/>
           <a:p>
+            <a:r>
+              <a:rPr lang="en-US" sz="1200" b="1" dirty="0">
+                <a:solidFill>
+                  <a:srgbClr val="FF0000"/>
+                </a:solidFill>
+              </a:rPr>
+              <a:t>MIG &amp; TIG Welding</a:t>
+            </a:r>
+          </a:p>
+          <a:p>
             <a:pPr marL="285750" indent="-285750">
               <a:buFont typeface="Arial" panose="020B0604020202020204" pitchFamily="34" charset="0"/>
               <a:buChar char="•"/>
@@ -3391,6 +3401,10 @@
               </a:rPr>
               <a:t>MIG Welder (Metal Inert Gas welder) </a:t>
             </a:r>
+            <a:r>
+              <a:rPr lang="en-US" sz="1200" dirty="0"/>
+              <a:t> - arc welding using continuous solid wire as electrode and inert shielding gas (usually argon) to protect weld area. </a:t>
+            </a:r>
           </a:p>
           <a:p>
             <a:pPr marL="285750" indent="-285750">
@@ -3399,7 +3413,7 @@
             </a:pPr>
             <a:r>
               <a:rPr lang="en-US" sz="1200" dirty="0"/>
-              <a:t>arc welding using continuous solid wire electrode and inert shielding gas (usually argon or a mixture of gases)</a:t>
+              <a:t>MIG welder does not use traditional coated welding rods like those used in stick welding (SMAW). </a:t>
             </a:r>
           </a:p>
           <a:p>
@@ -3409,7 +3423,7 @@
             </a:pPr>
             <a:r>
               <a:rPr lang="en-US" sz="1200" dirty="0"/>
-              <a:t>gas is needed to protect (isolate) the weld pool from contamination by air. The arc created between the wire and the base metals melts the wire and the metals, joining them together</a:t>
+              <a:t>Instead, a MIG welder uses a spool of consumable solid wire, known as MIG wire, which acts as both the electrode and the filler material during the welding process. </a:t>
             </a:r>
           </a:p>
           <a:p>
@@ -3419,7 +3433,50 @@
             </a:pPr>
             <a:r>
               <a:rPr lang="en-US" sz="1200" dirty="0"/>
-              <a:t>MIG welding is known for being easier to learn, versatile, and efficient, producing clean, strong welds with minimal cleanup. It is commonly used for welding thin to medium-thick metals, including steel, aluminum, and other non-ferrous metals.</a:t>
+              <a:t>MIG wire is fed continuously through a gun and melts to join the metals, whereas stick welders use solid rods that are manually replaced as they are consumed.</a:t>
+            </a:r>
+          </a:p>
+          <a:p>
+            <a:pPr marL="285750" indent="-285750">
+              <a:buFont typeface="Arial" panose="020B0604020202020204" pitchFamily="34" charset="0"/>
+              <a:buChar char="•"/>
+            </a:pPr>
+            <a:r>
+              <a:rPr lang="en-US" sz="1200" dirty="0"/>
+              <a:t>MIG welding is easy to learn, versatile, and efficient, producing clean, strong welds with minimal cleanup. It is commonly used for welding thin to medium-thick metals, including steel, aluminum, and other non-ferrous metals.</a:t>
+            </a:r>
+          </a:p>
+          <a:p>
+            <a:pPr marL="285750" indent="-285750">
+              <a:buFont typeface="Arial" panose="020B0604020202020204" pitchFamily="34" charset="0"/>
+              <a:buChar char="•"/>
+            </a:pPr>
+            <a:r>
+              <a:rPr lang="en-US" sz="1200" b="1" dirty="0">
+                <a:solidFill>
+                  <a:srgbClr val="FF0000"/>
+                </a:solidFill>
+              </a:rPr>
+              <a:t>TIG welding (Tungsten Inert Gas welding), </a:t>
+            </a:r>
+            <a:r>
+              <a:rPr lang="en-US" sz="1200" dirty="0"/>
+              <a:t>aka Gas Tungsten Arc Welding (GTAW)</a:t>
+            </a:r>
+            <a:br>
+              <a:rPr lang="en-US" sz="1200" dirty="0"/>
+            </a:br>
+            <a:r>
+              <a:rPr lang="en-US" sz="1200" dirty="0"/>
+              <a:t>uses a non-consumable tungsten electrode to create an electric arc and an inert shielding gas (usually argon) flows from the TIG torch. </a:t>
+            </a:r>
+            <a:r>
+              <a:rPr lang="en-US" sz="1200" b="1" dirty="0">
+                <a:solidFill>
+                  <a:srgbClr val="00B0F0"/>
+                </a:solidFill>
+              </a:rPr>
+              <a:t>The operator uses one hand to guide the torch and the other hand to feed filler rod into the weld pool</a:t>
             </a:r>
           </a:p>
         </p:txBody>
@@ -3438,8 +3495,8 @@
         </p:nvSpPr>
         <p:spPr>
           <a:xfrm>
-            <a:off x="133350" y="4396960"/>
-            <a:ext cx="5556250" cy="1569660"/>
+            <a:off x="146051" y="4031200"/>
+            <a:ext cx="5556250" cy="2677656"/>
           </a:xfrm>
           <a:prstGeom prst="rect">
             <a:avLst/>
@@ -3476,7 +3533,7 @@
             </a:r>
             <a:r>
               <a:rPr lang="en-US" sz="1200" dirty="0"/>
-              <a:t>uses a special tubular wire filled with flux that generates shielding gas during welding, which protects the weld without needing an external gas tank</a:t>
+              <a:t>uses a special tubular wire filled with flux that generates shielding gas during welding, which protects the weld without needing an external gas tank. </a:t>
             </a:r>
           </a:p>
           <a:p>
@@ -3486,7 +3543,7 @@
             </a:pPr>
             <a:r>
               <a:rPr lang="en-US" sz="1200" dirty="0"/>
-              <a:t>Flux-cored welding is often used outdoors or in windy conditions where shielding gas from a tank might be blown away</a:t>
+              <a:t>A flux-cored welder also does not use traditional welding rods. Instead, it uses a spool of tubular flux-cored wire that acts as both the electrode and the filler material. This continuous wire is fed through the welding gun, and the flux component within the wire provides the shielding needed to protect the weld pool, either with or without an external gas depending on the type of flux-cored process being used.</a:t>
             </a:r>
           </a:p>
           <a:p>
@@ -3496,226 +3553,229 @@
             </a:pPr>
             <a:r>
               <a:rPr lang="en-US" sz="1200" dirty="0"/>
+              <a:t>Flux-cored welding is often used outdoors or in windy conditions where shielding gas from a tank might be blown away</a:t>
+            </a:r>
+          </a:p>
+          <a:p>
+            <a:pPr marL="285750" indent="-285750">
+              <a:buFont typeface="Arial" panose="020B0604020202020204" pitchFamily="34" charset="0"/>
+              <a:buChar char="•"/>
+            </a:pPr>
+            <a:r>
+              <a:rPr lang="en-US" sz="1200" dirty="0"/>
               <a:t>It is typically used for thicker materials, construction, and outdoor repairs, offering good penetration and toughness but usually producing more spatter than MIG welding</a:t>
             </a:r>
           </a:p>
         </p:txBody>
       </p:sp>
-      <p:sp>
-        <p:nvSpPr>
-          <p:cNvPr id="5" name="TextBox 4">
-            <a:extLst>
-              <a:ext uri="{FF2B5EF4-FFF2-40B4-BE49-F238E27FC236}">
-                <a16:creationId xmlns:a16="http://schemas.microsoft.com/office/drawing/2014/main" id="{406A6592-EC00-03E6-440C-C9E1F2F054DE}"/>
-              </a:ext>
-            </a:extLst>
-          </p:cNvPr>
-          <p:cNvSpPr txBox="1"/>
+      <p:pic>
+        <p:nvPicPr>
+          <p:cNvPr id="2050" name="Picture 2" descr="Flux Cored MIG Welding Wire ...">
+            <a:extLst>
+              <a:ext uri="{FF2B5EF4-FFF2-40B4-BE49-F238E27FC236}">
+                <a16:creationId xmlns:a16="http://schemas.microsoft.com/office/drawing/2014/main" id="{C1453A8A-E4FF-BA10-1877-B6D30698AB6F}"/>
+              </a:ext>
+            </a:extLst>
+          </p:cNvPr>
+          <p:cNvPicPr>
+            <a:picLocks noChangeAspect="1" noChangeArrowheads="1"/>
+          </p:cNvPicPr>
           <p:nvPr/>
-        </p:nvSpPr>
-        <p:spPr>
+        </p:nvPicPr>
+        <p:blipFill>
+          <a:blip r:embed="rId2" cstate="email">
+            <a:extLst>
+              <a:ext uri="{28A0092B-C50C-407E-A947-70E740481C1C}">
+                <a14:useLocalDpi xmlns:a14="http://schemas.microsoft.com/office/drawing/2010/main"/>
+              </a:ext>
+            </a:extLst>
+          </a:blip>
+          <a:srcRect/>
+          <a:stretch>
+            <a:fillRect/>
+          </a:stretch>
+        </p:blipFill>
+        <p:spPr bwMode="auto">
           <a:xfrm>
-            <a:off x="146050" y="2352020"/>
-            <a:ext cx="5556250" cy="1938992"/>
+            <a:off x="6489701" y="4972050"/>
+            <a:ext cx="1713214" cy="1588216"/>
           </a:xfrm>
           <a:prstGeom prst="rect">
             <a:avLst/>
           </a:prstGeom>
-          <a:solidFill>
-            <a:schemeClr val="accent4">
-              <a:lumMod val="20000"/>
-              <a:lumOff val="80000"/>
-            </a:schemeClr>
-          </a:solidFill>
+          <a:noFill/>
           <a:ln>
             <a:solidFill>
               <a:srgbClr val="FF0000"/>
             </a:solidFill>
           </a:ln>
+          <a:extLst>
+            <a:ext uri="{909E8E84-426E-40DD-AFC4-6F175D3DCCD1}">
+              <a14:hiddenFill xmlns:a14="http://schemas.microsoft.com/office/drawing/2010/main">
+                <a:solidFill>
+                  <a:srgbClr val="FFFFFF"/>
+                </a:solidFill>
+              </a14:hiddenFill>
+            </a:ext>
+          </a:extLst>
         </p:spPr>
-        <p:txBody>
-          <a:bodyPr wrap="square">
-            <a:spAutoFit/>
-          </a:bodyPr>
-          <a:lstStyle/>
-          <a:p>
-            <a:pPr marL="285750" indent="-285750">
-              <a:buFont typeface="Arial" panose="020B0604020202020204" pitchFamily="34" charset="0"/>
-              <a:buChar char="•"/>
-            </a:pPr>
-            <a:r>
-              <a:rPr lang="en-US" sz="1200" b="1" dirty="0">
-                <a:solidFill>
-                  <a:srgbClr val="FF0000"/>
-                </a:solidFill>
-              </a:rPr>
-              <a:t>TIG welding (Tungsten Inert Gas welding), </a:t>
-            </a:r>
-            <a:r>
-              <a:rPr lang="en-US" sz="1200" dirty="0"/>
-              <a:t>aka Gas Tungsten Arc Welding (GTAW)</a:t>
-            </a:r>
-          </a:p>
-          <a:p>
-            <a:pPr marL="285750" indent="-285750">
-              <a:buFont typeface="Arial" panose="020B0604020202020204" pitchFamily="34" charset="0"/>
-              <a:buChar char="•"/>
-            </a:pPr>
-            <a:r>
-              <a:rPr lang="en-US" sz="1200" dirty="0"/>
-              <a:t>The arc welding process that uses a non-consumable tungsten electrode to create an electric arc and an inert shielding gas (usually argon) flows from the TIG torch to protect both the electrode and the weld area</a:t>
-            </a:r>
-          </a:p>
-          <a:p>
-            <a:pPr marL="285750" indent="-285750">
-              <a:buFont typeface="Arial" panose="020B0604020202020204" pitchFamily="34" charset="0"/>
-              <a:buChar char="•"/>
-            </a:pPr>
-            <a:r>
-              <a:rPr lang="en-US" sz="1200" dirty="0"/>
-              <a:t>TIG welding is well known for producing high-quality, precise, and clean welds with minimal spatter, making it ideal for thin metals, stainless steel, aluminum, and demanding applications that require excellent appearance or minimal finishing</a:t>
-            </a:r>
-          </a:p>
-          <a:p>
-            <a:pPr marL="285750" indent="-285750">
-              <a:buFont typeface="Arial" panose="020B0604020202020204" pitchFamily="34" charset="0"/>
-              <a:buChar char="•"/>
-            </a:pPr>
-            <a:r>
-              <a:rPr lang="en-US" sz="1200" dirty="0"/>
-              <a:t>The operator uses one hand to guide the torch and the other hand to feed filler rod into the weld pool</a:t>
-            </a:r>
-          </a:p>
-        </p:txBody>
-      </p:sp>
-      <p:sp>
-        <p:nvSpPr>
-          <p:cNvPr id="4" name="TextBox 3">
-            <a:extLst>
-              <a:ext uri="{FF2B5EF4-FFF2-40B4-BE49-F238E27FC236}">
-                <a16:creationId xmlns:a16="http://schemas.microsoft.com/office/drawing/2014/main" id="{92435916-103D-589E-3429-040CFF75FE78}"/>
-              </a:ext>
-            </a:extLst>
-          </p:cNvPr>
-          <p:cNvSpPr txBox="1"/>
+      </p:pic>
+      <p:pic>
+        <p:nvPicPr>
+          <p:cNvPr id="2054" name="Picture 6" descr="MIG Wire and Setting Wire Feed Tension">
+            <a:extLst>
+              <a:ext uri="{FF2B5EF4-FFF2-40B4-BE49-F238E27FC236}">
+                <a16:creationId xmlns:a16="http://schemas.microsoft.com/office/drawing/2014/main" id="{D3A58E11-2967-4638-38CA-CDCE3ED8A0C4}"/>
+              </a:ext>
+            </a:extLst>
+          </p:cNvPr>
+          <p:cNvPicPr>
+            <a:picLocks noChangeAspect="1" noChangeArrowheads="1"/>
+          </p:cNvPicPr>
           <p:nvPr/>
-        </p:nvSpPr>
-        <p:spPr>
+        </p:nvPicPr>
+        <p:blipFill>
+          <a:blip r:embed="rId3">
+            <a:extLst>
+              <a:ext uri="{28A0092B-C50C-407E-A947-70E740481C1C}">
+                <a14:useLocalDpi xmlns:a14="http://schemas.microsoft.com/office/drawing/2010/main"/>
+              </a:ext>
+            </a:extLst>
+          </a:blip>
+          <a:srcRect/>
+          <a:stretch>
+            <a:fillRect/>
+          </a:stretch>
+        </p:blipFill>
+        <p:spPr bwMode="auto">
           <a:xfrm>
-            <a:off x="6502400" y="535920"/>
-            <a:ext cx="5556250" cy="1384995"/>
+            <a:off x="5821680" y="523220"/>
+            <a:ext cx="3289300" cy="2463800"/>
           </a:xfrm>
           <a:prstGeom prst="rect">
             <a:avLst/>
           </a:prstGeom>
-          <a:solidFill>
-            <a:schemeClr val="accent4">
-              <a:lumMod val="20000"/>
-              <a:lumOff val="80000"/>
-            </a:schemeClr>
-          </a:solidFill>
+          <a:noFill/>
           <a:ln>
             <a:solidFill>
               <a:srgbClr val="FF0000"/>
             </a:solidFill>
           </a:ln>
+          <a:extLst>
+            <a:ext uri="{909E8E84-426E-40DD-AFC4-6F175D3DCCD1}">
+              <a14:hiddenFill xmlns:a14="http://schemas.microsoft.com/office/drawing/2010/main">
+                <a:solidFill>
+                  <a:srgbClr val="FFFFFF"/>
+                </a:solidFill>
+              </a14:hiddenFill>
+            </a:ext>
+          </a:extLst>
         </p:spPr>
-        <p:txBody>
-          <a:bodyPr wrap="square">
-            <a:spAutoFit/>
-          </a:bodyPr>
-          <a:lstStyle/>
-          <a:p>
-            <a:pPr marL="285750" indent="-285750">
-              <a:buFont typeface="Arial" panose="020B0604020202020204" pitchFamily="34" charset="0"/>
-              <a:buChar char="•"/>
-            </a:pPr>
-            <a:r>
-              <a:rPr lang="en-US" sz="1200" dirty="0"/>
-              <a:t>MIG welder does not use traditional coated welding rods like those used in stick welding (SMAW). </a:t>
-            </a:r>
-          </a:p>
-          <a:p>
-            <a:pPr marL="285750" indent="-285750">
-              <a:buFont typeface="Arial" panose="020B0604020202020204" pitchFamily="34" charset="0"/>
-              <a:buChar char="•"/>
-            </a:pPr>
-            <a:r>
-              <a:rPr lang="en-US" sz="1200" dirty="0"/>
-              <a:t>Instead, a MIG welder uses a spool of consumable solid wire, known as MIG wire, which acts as both the electrode and the filler material during the welding process. </a:t>
-            </a:r>
-          </a:p>
-          <a:p>
-            <a:pPr marL="285750" indent="-285750">
-              <a:buFont typeface="Arial" panose="020B0604020202020204" pitchFamily="34" charset="0"/>
-              <a:buChar char="•"/>
-            </a:pPr>
-            <a:r>
-              <a:rPr lang="en-US" sz="1200" dirty="0"/>
-              <a:t>MIG wire is fed continuously through a gun and melts to join the metals, whereas stick welders use solid rods that are manually replaced as they are consumed.</a:t>
-            </a:r>
-          </a:p>
-        </p:txBody>
-      </p:sp>
-      <p:sp>
-        <p:nvSpPr>
-          <p:cNvPr id="8" name="TextBox 7">
-            <a:extLst>
-              <a:ext uri="{FF2B5EF4-FFF2-40B4-BE49-F238E27FC236}">
-                <a16:creationId xmlns:a16="http://schemas.microsoft.com/office/drawing/2014/main" id="{FED0C228-FA88-FD33-B2FB-A3696FDBC155}"/>
-              </a:ext>
-            </a:extLst>
-          </p:cNvPr>
-          <p:cNvSpPr txBox="1"/>
+      </p:pic>
+      <p:pic>
+        <p:nvPicPr>
+          <p:cNvPr id="2056" name="Picture 8" descr="Feeding Wire in Portable MIG Machines ...">
+            <a:extLst>
+              <a:ext uri="{FF2B5EF4-FFF2-40B4-BE49-F238E27FC236}">
+                <a16:creationId xmlns:a16="http://schemas.microsoft.com/office/drawing/2014/main" id="{C2441BDF-578B-2C03-7288-65B7E235B2E5}"/>
+              </a:ext>
+            </a:extLst>
+          </p:cNvPr>
+          <p:cNvPicPr>
+            <a:picLocks noChangeAspect="1" noChangeArrowheads="1"/>
+          </p:cNvPicPr>
           <p:nvPr/>
-        </p:nvSpPr>
-        <p:spPr>
+        </p:nvPicPr>
+        <p:blipFill>
+          <a:blip r:embed="rId4">
+            <a:extLst>
+              <a:ext uri="{28A0092B-C50C-407E-A947-70E740481C1C}">
+                <a14:useLocalDpi xmlns:a14="http://schemas.microsoft.com/office/drawing/2010/main"/>
+              </a:ext>
+            </a:extLst>
+          </a:blip>
+          <a:srcRect/>
+          <a:stretch>
+            <a:fillRect/>
+          </a:stretch>
+        </p:blipFill>
+        <p:spPr bwMode="auto">
           <a:xfrm>
-            <a:off x="6489700" y="2044005"/>
-            <a:ext cx="5556250" cy="1200329"/>
+            <a:off x="8915399" y="2522220"/>
+            <a:ext cx="3030205" cy="1702590"/>
           </a:xfrm>
           <a:prstGeom prst="rect">
             <a:avLst/>
           </a:prstGeom>
-          <a:solidFill>
-            <a:schemeClr val="accent4">
-              <a:lumMod val="20000"/>
-              <a:lumOff val="80000"/>
-            </a:schemeClr>
-          </a:solidFill>
+          <a:noFill/>
           <a:ln>
             <a:solidFill>
               <a:srgbClr val="FF0000"/>
             </a:solidFill>
           </a:ln>
+          <a:extLst>
+            <a:ext uri="{909E8E84-426E-40DD-AFC4-6F175D3DCCD1}">
+              <a14:hiddenFill xmlns:a14="http://schemas.microsoft.com/office/drawing/2010/main">
+                <a:solidFill>
+                  <a:srgbClr val="FFFFFF"/>
+                </a:solidFill>
+              </a14:hiddenFill>
+            </a:ext>
+          </a:extLst>
         </p:spPr>
-        <p:txBody>
-          <a:bodyPr wrap="square">
-            <a:spAutoFit/>
-          </a:bodyPr>
-          <a:lstStyle/>
-          <a:p>
-            <a:pPr marL="285750" indent="-285750">
-              <a:buFont typeface="Arial" panose="020B0604020202020204" pitchFamily="34" charset="0"/>
-              <a:buChar char="•"/>
-            </a:pPr>
-            <a:r>
-              <a:rPr lang="en-US" sz="1200" dirty="0"/>
-              <a:t>A flux-cored welder also does not use traditional welding rods. </a:t>
-            </a:r>
-          </a:p>
-          <a:p>
-            <a:pPr marL="285750" indent="-285750">
-              <a:buFont typeface="Arial" panose="020B0604020202020204" pitchFamily="34" charset="0"/>
-              <a:buChar char="•"/>
-            </a:pPr>
-            <a:r>
-              <a:rPr lang="en-US" sz="1200" dirty="0"/>
-              <a:t>Instead, it uses a spool of tubular flux-cored wire that acts as both the electrode and the filler material. This continuous wire is fed through the welding gun, and the flux component within the wire provides the shielding needed to protect the weld pool, either with or without an external gas depending on the type of flux-cored process being used.</a:t>
-            </a:r>
-          </a:p>
-        </p:txBody>
-      </p:sp>
+      </p:pic>
+      <p:pic>
+        <p:nvPicPr>
+          <p:cNvPr id="2058" name="Picture 10" descr="Welding Gas Cylinders: A Beginner's ...">
+            <a:extLst>
+              <a:ext uri="{FF2B5EF4-FFF2-40B4-BE49-F238E27FC236}">
+                <a16:creationId xmlns:a16="http://schemas.microsoft.com/office/drawing/2014/main" id="{9B68F388-B093-D109-22D6-B5F6DDAEBD93}"/>
+              </a:ext>
+            </a:extLst>
+          </p:cNvPr>
+          <p:cNvPicPr>
+            <a:picLocks noChangeAspect="1" noChangeArrowheads="1"/>
+          </p:cNvPicPr>
+          <p:nvPr/>
+        </p:nvPicPr>
+        <p:blipFill>
+          <a:blip r:embed="rId5" cstate="email">
+            <a:extLst>
+              <a:ext uri="{28A0092B-C50C-407E-A947-70E740481C1C}">
+                <a14:useLocalDpi xmlns:a14="http://schemas.microsoft.com/office/drawing/2010/main"/>
+              </a:ext>
+            </a:extLst>
+          </a:blip>
+          <a:srcRect/>
+          <a:stretch>
+            <a:fillRect/>
+          </a:stretch>
+        </p:blipFill>
+        <p:spPr bwMode="auto">
+          <a:xfrm>
+            <a:off x="9383778" y="725537"/>
+            <a:ext cx="2289028" cy="1286143"/>
+          </a:xfrm>
+          <a:prstGeom prst="rect">
+            <a:avLst/>
+          </a:prstGeom>
+          <a:noFill/>
+          <a:ln>
+            <a:solidFill>
+              <a:srgbClr val="FF0000"/>
+            </a:solidFill>
+          </a:ln>
+          <a:extLst>
+            <a:ext uri="{909E8E84-426E-40DD-AFC4-6F175D3DCCD1}">
+              <a14:hiddenFill xmlns:a14="http://schemas.microsoft.com/office/drawing/2010/main">
+                <a:solidFill>
+                  <a:srgbClr val="FFFFFF"/>
+                </a:solidFill>
+              </a14:hiddenFill>
+            </a:ext>
+          </a:extLst>
+        </p:spPr>
+      </p:pic>
     </p:spTree>
     <p:extLst>
       <p:ext uri="{BB962C8B-B14F-4D97-AF65-F5344CB8AC3E}">
@@ -4041,7 +4101,7 @@
         <p:spPr>
           <a:xfrm>
             <a:off x="140143" y="2413337"/>
-            <a:ext cx="5556250" cy="1015663"/>
+            <a:ext cx="5556250" cy="830997"/>
           </a:xfrm>
           <a:prstGeom prst="rect">
             <a:avLst/>
@@ -4070,7 +4130,17 @@
             </a:pPr>
             <a:r>
               <a:rPr lang="en-US" sz="1200" dirty="0"/>
-              <a:t>When a welder is said to be able to weld "3/16th of an inch," it refers to the maximum thickness of the metal material that the welder can effectively join or penetrate with a proper, high-quality weld. It means the machine has enough power and heat output to fully melt and fuse through 3/16 inch (about 4.8 mm) thick metal in a single pass or with appropriate welding technique.</a:t>
+              <a:t>When a welder is said to be able to weld "3/16th of an inch," it means that the welder can effectively join or penetrate to this depth</a:t>
+            </a:r>
+          </a:p>
+          <a:p>
+            <a:pPr marL="285750" indent="-285750">
+              <a:buFont typeface="Arial" panose="020B0604020202020204" pitchFamily="34" charset="0"/>
+              <a:buChar char="•"/>
+            </a:pPr>
+            <a:r>
+              <a:rPr lang="en-US" sz="1200" dirty="0"/>
+              <a:t>It means the machine has enough power and heat output to fully melt and fuse through 3/16 inch (about 4.8 mm) thick metal in a single pass</a:t>
             </a:r>
           </a:p>
         </p:txBody>
@@ -4104,13 +4174,18 @@
         </p:blipFill>
         <p:spPr bwMode="auto">
           <a:xfrm>
-            <a:off x="5944472" y="3598322"/>
-            <a:ext cx="3470991" cy="2961620"/>
+            <a:off x="5849672" y="3598322"/>
+            <a:ext cx="3565791" cy="3042508"/>
           </a:xfrm>
           <a:prstGeom prst="rect">
             <a:avLst/>
           </a:prstGeom>
           <a:noFill/>
+          <a:ln>
+            <a:solidFill>
+              <a:srgbClr val="FF0000"/>
+            </a:solidFill>
+          </a:ln>
           <a:extLst>
             <a:ext uri="{909E8E84-426E-40DD-AFC4-6F175D3DCCD1}">
               <a14:hiddenFill xmlns:a14="http://schemas.microsoft.com/office/drawing/2010/main">
@@ -4322,7 +4397,7 @@
         <p:spPr>
           <a:xfrm>
             <a:off x="168487" y="1525270"/>
-            <a:ext cx="7410894" cy="5078313"/>
+            <a:ext cx="5381413" cy="3139321"/>
           </a:xfrm>
           <a:prstGeom prst="rect">
             <a:avLst/>
@@ -4347,11 +4422,15 @@
           <a:p>
             <a:r>
               <a:rPr lang="en-US" dirty="0"/>
-              <a:t>Welding rods:</a:t>
-            </a:r>
-          </a:p>
-          <a:p>
-            <a:endParaRPr lang="en-US" dirty="0"/>
+              <a:t>Welding rods – common sizes 3/32" and 1/8" </a:t>
+            </a:r>
+            <a:br>
+              <a:rPr lang="en-US" dirty="0"/>
+            </a:br>
+            <a:r>
+              <a:rPr lang="en-US" dirty="0"/>
+              <a:t>Common types:</a:t>
+            </a:r>
           </a:p>
           <a:p>
             <a:pPr marL="285750" indent="-285750">
@@ -4360,7 +4439,7 @@
             </a:pPr>
             <a:r>
               <a:rPr lang="en-US" dirty="0"/>
-              <a:t>6011 - Excellent for welding dirty, rusty, or painted metal, commonly used for repairs and general-purpose work. It offers deep penetration and works with both AC and DC welders.</a:t>
+              <a:t>6011 - Excellent for welding dirty, rusty, or painted metal, commonly used for repairs and general-purpose work</a:t>
             </a:r>
           </a:p>
           <a:p>
@@ -4370,7 +4449,7 @@
             </a:pPr>
             <a:r>
               <a:rPr lang="en-US" dirty="0"/>
-              <a:t>6013 - Popular for clean, new metal and light fabrication. Easier to use for beginners, produces a neat weld bead, and works with AC or DC welders.</a:t>
+              <a:t>6013 - Popular for clean, new metal and light fabrication. Easier to use for beginners, produces a neat weld bead</a:t>
             </a:r>
           </a:p>
           <a:p>
@@ -4380,31 +4459,56 @@
             </a:pPr>
             <a:r>
               <a:rPr lang="en-US" dirty="0"/>
-              <a:t>7018 - Known for creating strong, smooth, and low-spatter welds. Frequently used for structural work and projects where weld quality is important; effective on clean metal and works with both AC and DC machines, though it requires dry storage.</a:t>
-            </a:r>
-          </a:p>
-          <a:p>
-            <a:pPr marL="285750" indent="-285750">
-              <a:buFont typeface="Arial" panose="020B0604020202020204" pitchFamily="34" charset="0"/>
-              <a:buChar char="•"/>
-            </a:pPr>
-            <a:r>
-              <a:rPr lang="en-US" dirty="0"/>
-              <a:t>6010 -  Used often in pipe welding and for deep penetration on clean metal, but typically limited to DC welders and less common in basic garage setups.</a:t>
-            </a:r>
-          </a:p>
-          <a:p>
-            <a:pPr marL="285750" indent="-285750">
-              <a:buFont typeface="Arial" panose="020B0604020202020204" pitchFamily="34" charset="0"/>
-              <a:buChar char="•"/>
-            </a:pPr>
-            <a:r>
-              <a:rPr lang="en-US" dirty="0"/>
-              <a:t>For most garage projects, a combination of 6011, 6013, and 7018 rods in 3/32" and 1/8" sizes will cover basic repairs, fabrication, and light construction on steel. These rods are versatile, widely available, and suitable for the power levels of common home welders.</a:t>
-            </a:r>
-          </a:p>
-        </p:txBody>
-      </p:sp>
+              <a:t>7018 - strong, smooth, and low-spatter welds. Frequently used for structural work and projects where weld quality is important</a:t>
+            </a:r>
+          </a:p>
+        </p:txBody>
+      </p:sp>
+      <p:pic>
+        <p:nvPicPr>
+          <p:cNvPr id="1026" name="Picture 2" descr="WeldingCity 10-Lb Carbon Steel Stick ...">
+            <a:extLst>
+              <a:ext uri="{FF2B5EF4-FFF2-40B4-BE49-F238E27FC236}">
+                <a16:creationId xmlns:a16="http://schemas.microsoft.com/office/drawing/2014/main" id="{CCBB6CB4-C3F0-DBFC-98A3-5B87ECC37322}"/>
+              </a:ext>
+            </a:extLst>
+          </p:cNvPr>
+          <p:cNvPicPr>
+            <a:picLocks noChangeAspect="1" noChangeArrowheads="1"/>
+          </p:cNvPicPr>
+          <p:nvPr/>
+        </p:nvPicPr>
+        <p:blipFill>
+          <a:blip r:embed="rId2">
+            <a:extLst>
+              <a:ext uri="{28A0092B-C50C-407E-A947-70E740481C1C}">
+                <a14:useLocalDpi xmlns:a14="http://schemas.microsoft.com/office/drawing/2010/main"/>
+              </a:ext>
+            </a:extLst>
+          </a:blip>
+          <a:srcRect/>
+          <a:stretch>
+            <a:fillRect/>
+          </a:stretch>
+        </p:blipFill>
+        <p:spPr bwMode="auto">
+          <a:xfrm>
+            <a:off x="6450330" y="1666180"/>
+            <a:ext cx="2857500" cy="2857500"/>
+          </a:xfrm>
+          <a:prstGeom prst="rect">
+            <a:avLst/>
+          </a:prstGeom>
+          <a:solidFill>
+            <a:srgbClr val="FF0000"/>
+          </a:solidFill>
+          <a:ln>
+            <a:solidFill>
+              <a:srgbClr val="FF0000"/>
+            </a:solidFill>
+          </a:ln>
+        </p:spPr>
+      </p:pic>
     </p:spTree>
     <p:extLst>
       <p:ext uri="{BB962C8B-B14F-4D97-AF65-F5344CB8AC3E}">
@@ -4491,7 +4595,7 @@
         <p:spPr>
           <a:xfrm>
             <a:off x="168487" y="739120"/>
-            <a:ext cx="5381413" cy="2123658"/>
+            <a:ext cx="5381413" cy="2308324"/>
           </a:xfrm>
           <a:prstGeom prst="rect">
             <a:avLst/>
@@ -4519,8 +4623,12 @@
               <a:buChar char="•"/>
             </a:pPr>
             <a:r>
-              <a:rPr lang="en-US" sz="1200" dirty="0"/>
-              <a:t>An inverter in welding machines is an electronic system that converts the AC (alternating current) power supply into a controlled, lower-voltage DC (direct current) output suitable for welding</a:t>
+              <a:rPr lang="en-US" sz="1200" b="1" dirty="0">
+                <a:solidFill>
+                  <a:srgbClr val="FF0000"/>
+                </a:solidFill>
+              </a:rPr>
+              <a:t>Inverter: AC to DC</a:t>
             </a:r>
           </a:p>
           <a:p>
@@ -4530,7 +4638,7 @@
             </a:pPr>
             <a:r>
               <a:rPr lang="en-US" sz="1200" dirty="0"/>
-              <a:t>Inverter welders are more compact, lightweight, and energy-efficient compared to conventional transformer-based welders</a:t>
+              <a:t>An inverter in welding machines is an electronic system that converts the AC (alternating current) power supply into a controlled, lower-voltage DC (direct current) output suitable for welding</a:t>
             </a:r>
           </a:p>
           <a:p>
@@ -4539,8 +4647,12 @@
               <a:buChar char="•"/>
             </a:pPr>
             <a:r>
-              <a:rPr lang="en-US" sz="1200" dirty="0"/>
-              <a:t>Traditional welding machines use large, heavy transformers. Inverter welders use high-frequency electronics instead, they are light and portable. </a:t>
+              <a:rPr lang="en-US" sz="1200" b="1" dirty="0">
+                <a:solidFill>
+                  <a:srgbClr val="FF0000"/>
+                </a:solidFill>
+              </a:rPr>
+              <a:t>Inverter welders are more compact, lightweight, and energy-efficient compared to conventional transformer-based welders</a:t>
             </a:r>
           </a:p>
           <a:p>
@@ -4550,7 +4662,7 @@
             </a:pPr>
             <a:r>
               <a:rPr lang="en-US" sz="1200" dirty="0"/>
-              <a:t>Also they offer energy savings, the ability to work with various power sources including unstable ones, and advanced control over welding parameters</a:t>
+              <a:t>Traditional welding machines use large, heavy transformers. Inverter welders use high-frequency electronics instead, they are light and portable. </a:t>
             </a:r>
           </a:p>
           <a:p>
@@ -4560,7 +4672,17 @@
             </a:pPr>
             <a:r>
               <a:rPr lang="en-US" sz="1200" dirty="0"/>
-              <a:t>They deliver a steady, stable arc with precise control over voltage and current, enhancing weld quality and efficiency</a:t>
+              <a:t>Inverters offer energy savings, the ability to work with various power sources including unstable ones, and advanced control over welding parameters</a:t>
+            </a:r>
+          </a:p>
+          <a:p>
+            <a:pPr marL="285750" indent="-285750">
+              <a:buFont typeface="Arial" panose="020B0604020202020204" pitchFamily="34" charset="0"/>
+              <a:buChar char="•"/>
+            </a:pPr>
+            <a:r>
+              <a:rPr lang="en-US" sz="1200" dirty="0"/>
+              <a:t>Inverters deliver a steady, stable arc with precise control over voltage and current, enhancing weld quality and efficiency</a:t>
             </a:r>
           </a:p>
         </p:txBody>
@@ -4626,8 +4748,8 @@
         </p:nvSpPr>
         <p:spPr>
           <a:xfrm>
-            <a:off x="168487" y="3044838"/>
-            <a:ext cx="5381413" cy="1200329"/>
+            <a:off x="168487" y="3364878"/>
+            <a:ext cx="6245013" cy="1015663"/>
           </a:xfrm>
           <a:prstGeom prst="rect">
             <a:avLst/>
@@ -4650,9 +4772,161 @@
           </a:bodyPr>
           <a:lstStyle/>
           <a:p>
-            <a:r>
-              <a:rPr lang="en-US" sz="1200" dirty="0"/>
-              <a:t>The name "inverter" was coined by engineer David Prince in a 1925 article in the GE Review, where he described a device that reverses (or "inverts") the function of a rectifier - turning direct current (DC) into alternating current (AC), as opposed to a rectifier which does the opposite. Prince explained that he took a rectifier circuit and "inverted" it so that DC was input and AC was output, hence the name "inverter".</a:t>
+            <a:pPr marL="171450" indent="-171450">
+              <a:buFont typeface="Arial" panose="020B0604020202020204" pitchFamily="34" charset="0"/>
+              <a:buChar char="•"/>
+            </a:pPr>
+            <a:r>
+              <a:rPr lang="en-US" sz="1200" dirty="0"/>
+              <a:t>The name "</a:t>
+            </a:r>
+            <a:r>
+              <a:rPr lang="en-US" sz="1200" b="1" dirty="0">
+                <a:solidFill>
+                  <a:srgbClr val="FF0000"/>
+                </a:solidFill>
+              </a:rPr>
+              <a:t>inverter</a:t>
+            </a:r>
+            <a:r>
+              <a:rPr lang="en-US" sz="1200" dirty="0"/>
+              <a:t>" was coined by engineer </a:t>
+            </a:r>
+            <a:r>
+              <a:rPr lang="en-US" sz="1200" b="1" dirty="0">
+                <a:solidFill>
+                  <a:srgbClr val="FF0000"/>
+                </a:solidFill>
+              </a:rPr>
+              <a:t>David Prince in a 1925</a:t>
+            </a:r>
+            <a:r>
+              <a:rPr lang="en-US" sz="1200" dirty="0"/>
+              <a:t> article in the GE Review</a:t>
+            </a:r>
+          </a:p>
+          <a:p>
+            <a:pPr marL="171450" indent="-171450">
+              <a:buFont typeface="Arial" panose="020B0604020202020204" pitchFamily="34" charset="0"/>
+              <a:buChar char="•"/>
+            </a:pPr>
+            <a:r>
+              <a:rPr lang="en-US" sz="1200" dirty="0"/>
+              <a:t>He described a device that </a:t>
+            </a:r>
+            <a:r>
+              <a:rPr lang="en-US" sz="1200" b="1" dirty="0">
+                <a:solidFill>
+                  <a:srgbClr val="00B0F0"/>
+                </a:solidFill>
+              </a:rPr>
+              <a:t>reverses (or "inverts") the function of a rectifier </a:t>
+            </a:r>
+            <a:r>
+              <a:rPr lang="en-US" sz="1200" dirty="0"/>
+              <a:t>- turning direct current (DC) into alternating current (AC), as opposed to a rectifier which does the opposite. </a:t>
+            </a:r>
+          </a:p>
+          <a:p>
+            <a:pPr marL="171450" indent="-171450">
+              <a:buFont typeface="Arial" panose="020B0604020202020204" pitchFamily="34" charset="0"/>
+              <a:buChar char="•"/>
+            </a:pPr>
+            <a:r>
+              <a:rPr lang="en-US" sz="1200" dirty="0"/>
+              <a:t>Prince explained that he took a rectifier circuit and "inverted" it so that DC was input and AC was output, hence the name "inverter".</a:t>
+            </a:r>
+          </a:p>
+        </p:txBody>
+      </p:sp>
+      <p:sp>
+        <p:nvSpPr>
+          <p:cNvPr id="3" name="TextBox 2">
+            <a:extLst>
+              <a:ext uri="{FF2B5EF4-FFF2-40B4-BE49-F238E27FC236}">
+                <a16:creationId xmlns:a16="http://schemas.microsoft.com/office/drawing/2014/main" id="{AB598BD5-7D4E-D2B0-AEA1-689751FB23CC}"/>
+              </a:ext>
+            </a:extLst>
+          </p:cNvPr>
+          <p:cNvSpPr txBox="1"/>
+          <p:nvPr/>
+        </p:nvSpPr>
+        <p:spPr>
+          <a:xfrm>
+            <a:off x="7027333" y="596850"/>
+            <a:ext cx="962237" cy="276999"/>
+          </a:xfrm>
+          <a:prstGeom prst="rect">
+            <a:avLst/>
+          </a:prstGeom>
+          <a:solidFill>
+            <a:schemeClr val="accent4">
+              <a:lumMod val="20000"/>
+              <a:lumOff val="80000"/>
+            </a:schemeClr>
+          </a:solidFill>
+          <a:ln>
+            <a:solidFill>
+              <a:srgbClr val="FF0000"/>
+            </a:solidFill>
+          </a:ln>
+        </p:spPr>
+        <p:txBody>
+          <a:bodyPr wrap="square" rtlCol="0">
+            <a:spAutoFit/>
+          </a:bodyPr>
+          <a:lstStyle/>
+          <a:p>
+            <a:pPr algn="ctr"/>
+            <a:r>
+              <a:rPr lang="en-US" sz="1200" b="1" dirty="0"/>
+              <a:t>Inverter</a:t>
+            </a:r>
+          </a:p>
+        </p:txBody>
+      </p:sp>
+      <p:sp>
+        <p:nvSpPr>
+          <p:cNvPr id="5" name="TextBox 4">
+            <a:extLst>
+              <a:ext uri="{FF2B5EF4-FFF2-40B4-BE49-F238E27FC236}">
+                <a16:creationId xmlns:a16="http://schemas.microsoft.com/office/drawing/2014/main" id="{E50B817B-C3C9-9626-3B43-1EF97CF32FD4}"/>
+              </a:ext>
+            </a:extLst>
+          </p:cNvPr>
+          <p:cNvSpPr txBox="1"/>
+          <p:nvPr/>
+        </p:nvSpPr>
+        <p:spPr>
+          <a:xfrm>
+            <a:off x="9397153" y="596850"/>
+            <a:ext cx="962237" cy="276999"/>
+          </a:xfrm>
+          <a:prstGeom prst="rect">
+            <a:avLst/>
+          </a:prstGeom>
+          <a:solidFill>
+            <a:schemeClr val="accent4">
+              <a:lumMod val="20000"/>
+              <a:lumOff val="80000"/>
+            </a:schemeClr>
+          </a:solidFill>
+          <a:ln>
+            <a:solidFill>
+              <a:srgbClr val="FF0000"/>
+            </a:solidFill>
+          </a:ln>
+        </p:spPr>
+        <p:txBody>
+          <a:bodyPr wrap="square" rtlCol="0">
+            <a:spAutoFit/>
+          </a:bodyPr>
+          <a:lstStyle/>
+          <a:p>
+            <a:pPr algn="ctr"/>
+            <a:r>
+              <a:rPr lang="en-US" sz="1200" b="1" dirty="0"/>
+              <a:t>Transformer</a:t>
             </a:r>
           </a:p>
         </p:txBody>
@@ -4742,7 +5016,7 @@
         </p:nvSpPr>
         <p:spPr>
           <a:xfrm>
-            <a:off x="168487" y="739120"/>
+            <a:off x="129023" y="3423466"/>
             <a:ext cx="4756741" cy="830997"/>
           </a:xfrm>
           <a:prstGeom prst="rect">
@@ -4817,8 +5091,8 @@
         </p:nvSpPr>
         <p:spPr>
           <a:xfrm>
-            <a:off x="168487" y="1918023"/>
-            <a:ext cx="2709624" cy="276999"/>
+            <a:off x="129023" y="2276287"/>
+            <a:ext cx="2255069" cy="276999"/>
           </a:xfrm>
           <a:prstGeom prst="rect">
             <a:avLst/>
@@ -4843,7 +5117,7 @@
           <a:p>
             <a:r>
               <a:rPr lang="en-US" sz="1200" dirty="0"/>
-              <a:t>Heat-Resistant Welding Gloves $23- $67</a:t>
+              <a:t>Heat-Resistant Welding Gloves </a:t>
             </a:r>
           </a:p>
         </p:txBody>
@@ -4877,7 +5151,7 @@
         </p:blipFill>
         <p:spPr bwMode="auto">
           <a:xfrm>
-            <a:off x="5245894" y="261610"/>
+            <a:off x="5257572" y="2940807"/>
             <a:ext cx="1413319" cy="1656413"/>
           </a:xfrm>
           <a:prstGeom prst="rect">
@@ -4924,7 +5198,7 @@
         </p:blipFill>
         <p:spPr bwMode="auto">
           <a:xfrm>
-            <a:off x="3198777" y="1600100"/>
+            <a:off x="2755900" y="2016613"/>
             <a:ext cx="679533" cy="1189844"/>
           </a:xfrm>
           <a:prstGeom prst="rect">
@@ -4971,7 +5245,7 @@
         </p:blipFill>
         <p:spPr bwMode="auto">
           <a:xfrm>
-            <a:off x="168487" y="2519284"/>
+            <a:off x="2502333" y="98591"/>
             <a:ext cx="1249343" cy="1819431"/>
           </a:xfrm>
           <a:prstGeom prst="rect">
@@ -5003,8 +5277,8 @@
         </p:nvSpPr>
         <p:spPr>
           <a:xfrm>
-            <a:off x="1843965" y="3198166"/>
-            <a:ext cx="2709624" cy="461665"/>
+            <a:off x="129023" y="881485"/>
+            <a:ext cx="2255069" cy="276999"/>
           </a:xfrm>
           <a:prstGeom prst="rect">
             <a:avLst/>
@@ -5029,15 +5303,7 @@
           <a:p>
             <a:r>
               <a:rPr lang="en-US" sz="1200" dirty="0"/>
-              <a:t>Vulcan Premium </a:t>
-            </a:r>
-            <a:r>
-              <a:rPr lang="en-US" sz="1200" dirty="0" err="1"/>
-              <a:t>Arcsafe</a:t>
-            </a:r>
-            <a:r>
-              <a:rPr lang="en-US" sz="1200" dirty="0"/>
-              <a:t> Auto-Darkening Welding Helmet $170</a:t>
+              <a:t>Auto-Darkening Welding Helmet </a:t>
             </a:r>
           </a:p>
         </p:txBody>
@@ -5056,8 +5322,8 @@
         </p:nvSpPr>
         <p:spPr>
           <a:xfrm>
-            <a:off x="6458044" y="4103400"/>
-            <a:ext cx="5471197" cy="2492990"/>
+            <a:off x="168487" y="4939978"/>
+            <a:ext cx="5471197" cy="1754326"/>
           </a:xfrm>
           <a:prstGeom prst="rect">
             <a:avLst/>
@@ -5082,28 +5348,7 @@
           <a:p>
             <a:r>
               <a:rPr lang="en-US" sz="1200" dirty="0"/>
-              <a:t>Welding Protective Essentials</a:t>
-            </a:r>
-          </a:p>
-          <a:p>
-            <a:endParaRPr lang="en-US" sz="1200" dirty="0"/>
-          </a:p>
-          <a:p>
-            <a:r>
-              <a:rPr lang="en-US" sz="1200" dirty="0"/>
-              <a:t>- Helmet: Auto-darkening or fixed shade, covers face and neck</a:t>
-            </a:r>
-          </a:p>
-          <a:p>
-            <a:r>
-              <a:rPr lang="en-US" sz="1200" dirty="0"/>
-              <a:t>- Jacket: Flame-resistant material (cotton or leather)</a:t>
-            </a:r>
-          </a:p>
-          <a:p>
-            <a:r>
-              <a:rPr lang="en-US" sz="1200" dirty="0"/>
-              <a:t>- Gloves: Heat-resistant, usually leather, with coverage for cuffs/forearms</a:t>
+              <a:t>More Protective Essentials</a:t>
             </a:r>
           </a:p>
           <a:p>
@@ -5153,6 +5398,270 @@
             <a:r>
               <a:rPr lang="en-US" sz="1200" dirty="0"/>
               <a:t>- Cap or Hood: To protect scalp from stray sparks</a:t>
+            </a:r>
+          </a:p>
+        </p:txBody>
+      </p:sp>
+      <p:sp>
+        <p:nvSpPr>
+          <p:cNvPr id="7" name="TextBox 6">
+            <a:extLst>
+              <a:ext uri="{FF2B5EF4-FFF2-40B4-BE49-F238E27FC236}">
+                <a16:creationId xmlns:a16="http://schemas.microsoft.com/office/drawing/2014/main" id="{559A9453-0D18-3453-A34D-EF765957C131}"/>
+              </a:ext>
+            </a:extLst>
+          </p:cNvPr>
+          <p:cNvSpPr txBox="1"/>
+          <p:nvPr/>
+        </p:nvSpPr>
+        <p:spPr>
+          <a:xfrm>
+            <a:off x="8628993" y="163696"/>
+            <a:ext cx="3433984" cy="2308324"/>
+          </a:xfrm>
+          <a:prstGeom prst="rect">
+            <a:avLst/>
+          </a:prstGeom>
+          <a:solidFill>
+            <a:schemeClr val="accent4">
+              <a:lumMod val="20000"/>
+              <a:lumOff val="80000"/>
+            </a:schemeClr>
+          </a:solidFill>
+          <a:ln>
+            <a:solidFill>
+              <a:srgbClr val="FF0000"/>
+            </a:solidFill>
+          </a:ln>
+        </p:spPr>
+        <p:txBody>
+          <a:bodyPr wrap="square" rtlCol="0">
+            <a:spAutoFit/>
+          </a:bodyPr>
+          <a:lstStyle/>
+          <a:p>
+            <a:r>
+              <a:rPr lang="en-US" sz="1200" dirty="0"/>
+              <a:t>Must Have Items for the Beginner Welder</a:t>
+            </a:r>
+          </a:p>
+          <a:p>
+            <a:r>
+              <a:rPr lang="en-US" sz="1200" dirty="0">
+                <a:hlinkClick r:id="rId5"/>
+              </a:rPr>
+              <a:t>https://</a:t>
+            </a:r>
+            <a:r>
+              <a:rPr lang="en-US" sz="1200" dirty="0" err="1">
+                <a:hlinkClick r:id="rId5"/>
+              </a:rPr>
+              <a:t>www.youtube.com</a:t>
+            </a:r>
+            <a:r>
+              <a:rPr lang="en-US" sz="1200" dirty="0">
+                <a:hlinkClick r:id="rId5"/>
+              </a:rPr>
+              <a:t>/</a:t>
+            </a:r>
+            <a:r>
+              <a:rPr lang="en-US" sz="1200" dirty="0" err="1">
+                <a:hlinkClick r:id="rId5"/>
+              </a:rPr>
+              <a:t>watch?v</a:t>
+            </a:r>
+            <a:r>
+              <a:rPr lang="en-US" sz="1200" dirty="0">
+                <a:hlinkClick r:id="rId5"/>
+              </a:rPr>
+              <a:t>=V_9GZEsEVlg</a:t>
+            </a:r>
+            <a:r>
+              <a:rPr lang="en-US" sz="1200" dirty="0"/>
+              <a:t> </a:t>
+            </a:r>
+          </a:p>
+          <a:p>
+            <a:r>
+              <a:rPr lang="en-US" sz="1200" dirty="0"/>
+              <a:t>Links under the video:</a:t>
+            </a:r>
+          </a:p>
+          <a:p>
+            <a:r>
+              <a:rPr lang="en-US" sz="1200" dirty="0"/>
+              <a:t>Stick Welder, Rods, Wire</a:t>
+            </a:r>
+          </a:p>
+          <a:p>
+            <a:r>
+              <a:rPr lang="en-US" sz="1200" dirty="0"/>
+              <a:t>Helmet, Gloves</a:t>
+            </a:r>
+          </a:p>
+          <a:p>
+            <a:r>
+              <a:rPr lang="en-US" sz="1200" dirty="0"/>
+              <a:t>Angle Grinder</a:t>
+            </a:r>
+          </a:p>
+          <a:p>
+            <a:r>
+              <a:rPr lang="en-US" sz="1200" dirty="0"/>
+              <a:t>Horizontal Band Saw (chop saw)</a:t>
+            </a:r>
+          </a:p>
+          <a:p>
+            <a:r>
+              <a:rPr lang="en-US" sz="1200" dirty="0"/>
+              <a:t>Magnets, Clamps</a:t>
+            </a:r>
+          </a:p>
+          <a:p>
+            <a:r>
+              <a:rPr lang="en-US" sz="1200" dirty="0"/>
+              <a:t>Anti Spatter Spray, Nozzle gel</a:t>
+            </a:r>
+          </a:p>
+          <a:p>
+            <a:r>
+              <a:rPr lang="en-US" sz="1200" dirty="0"/>
+              <a:t>Welding pliers</a:t>
+            </a:r>
+          </a:p>
+          <a:p>
+            <a:r>
+              <a:rPr lang="en-US" sz="1200" dirty="0"/>
+              <a:t>Wire Brush</a:t>
+            </a:r>
+          </a:p>
+          <a:p>
+            <a:r>
+              <a:rPr lang="en-US" sz="1200" dirty="0"/>
+              <a:t>Chipping Hammer</a:t>
+            </a:r>
+          </a:p>
+        </p:txBody>
+      </p:sp>
+      <p:sp>
+        <p:nvSpPr>
+          <p:cNvPr id="8" name="TextBox 7">
+            <a:extLst>
+              <a:ext uri="{FF2B5EF4-FFF2-40B4-BE49-F238E27FC236}">
+                <a16:creationId xmlns:a16="http://schemas.microsoft.com/office/drawing/2014/main" id="{4DDEE70D-BB65-2019-F43F-FDADB6F3F891}"/>
+              </a:ext>
+            </a:extLst>
+          </p:cNvPr>
+          <p:cNvSpPr txBox="1"/>
+          <p:nvPr/>
+        </p:nvSpPr>
+        <p:spPr>
+          <a:xfrm>
+            <a:off x="8628993" y="2684802"/>
+            <a:ext cx="3433984" cy="1754326"/>
+          </a:xfrm>
+          <a:prstGeom prst="rect">
+            <a:avLst/>
+          </a:prstGeom>
+          <a:solidFill>
+            <a:schemeClr val="accent4">
+              <a:lumMod val="20000"/>
+              <a:lumOff val="80000"/>
+            </a:schemeClr>
+          </a:solidFill>
+          <a:ln>
+            <a:solidFill>
+              <a:srgbClr val="FF0000"/>
+            </a:solidFill>
+          </a:ln>
+        </p:spPr>
+        <p:txBody>
+          <a:bodyPr wrap="square" rtlCol="0">
+            <a:spAutoFit/>
+          </a:bodyPr>
+          <a:lstStyle/>
+          <a:p>
+            <a:r>
+              <a:rPr lang="en-US" sz="1200" dirty="0"/>
+              <a:t>Can I Start Welding With Only $200?</a:t>
+            </a:r>
+          </a:p>
+          <a:p>
+            <a:r>
+              <a:rPr lang="en-US" sz="1200" dirty="0">
+                <a:hlinkClick r:id="rId6"/>
+              </a:rPr>
+              <a:t>https://</a:t>
+            </a:r>
+            <a:r>
+              <a:rPr lang="en-US" sz="1200" dirty="0" err="1">
+                <a:hlinkClick r:id="rId6"/>
+              </a:rPr>
+              <a:t>www.youtube.com</a:t>
+            </a:r>
+            <a:r>
+              <a:rPr lang="en-US" sz="1200" dirty="0">
+                <a:hlinkClick r:id="rId6"/>
+              </a:rPr>
+              <a:t>/</a:t>
+            </a:r>
+            <a:r>
+              <a:rPr lang="en-US" sz="1200" dirty="0" err="1">
+                <a:hlinkClick r:id="rId6"/>
+              </a:rPr>
+              <a:t>watch?v</a:t>
+            </a:r>
+            <a:r>
+              <a:rPr lang="en-US" sz="1200" dirty="0">
+                <a:hlinkClick r:id="rId6"/>
+              </a:rPr>
+              <a:t>=S0XE7qYXA2E</a:t>
+            </a:r>
+            <a:r>
+              <a:rPr lang="en-US" sz="1200" dirty="0"/>
+              <a:t> </a:t>
+            </a:r>
+          </a:p>
+          <a:p>
+            <a:r>
+              <a:rPr lang="en-US" sz="1200" dirty="0"/>
+              <a:t>Welder, helmet, gloves</a:t>
+            </a:r>
+          </a:p>
+          <a:p>
+            <a:r>
+              <a:rPr lang="en-US" sz="1200" dirty="0"/>
+              <a:t>Grinder (kit with several disks)</a:t>
+            </a:r>
+          </a:p>
+          <a:p>
+            <a:r>
+              <a:rPr lang="en-US" sz="1200" dirty="0"/>
+              <a:t>Tape Measure , Square (triangle)</a:t>
+            </a:r>
+          </a:p>
+          <a:p>
+            <a:r>
+              <a:rPr lang="en-US" sz="1200" dirty="0"/>
+              <a:t>Magnet Squares</a:t>
+            </a:r>
+          </a:p>
+          <a:p>
+            <a:r>
+              <a:rPr lang="en-US" sz="1200" dirty="0"/>
+              <a:t>Chipping Hammer,</a:t>
+            </a:r>
+          </a:p>
+          <a:p>
+            <a:r>
+              <a:rPr lang="en-US" sz="1200" dirty="0"/>
+              <a:t>7018 Electrodes, 6011 Electrodes</a:t>
+            </a:r>
+          </a:p>
+          <a:p>
+            <a:r>
+              <a:rPr lang="en-US" sz="1200" dirty="0"/>
+              <a:t>Drill Press Vise</a:t>
             </a:r>
           </a:p>
         </p:txBody>
